--- a/presentation/process_flow_erc.pptx
+++ b/presentation/process_flow_erc.pptx
@@ -13608,10 +13608,10 @@
         </p:nvGrpSpPr>
         <p:grpSpPr>
           <a:xfrm>
-            <a:off x="6417472" y="12309537"/>
-            <a:ext cx="2126585" cy="4299062"/>
-            <a:chOff x="13612818" y="32169274"/>
-            <a:chExt cx="4821056" cy="9562216"/>
+            <a:off x="6556747" y="12291651"/>
+            <a:ext cx="1987309" cy="4316949"/>
+            <a:chOff x="13928562" y="32129489"/>
+            <a:chExt cx="4505312" cy="9602001"/>
           </a:xfrm>
         </p:grpSpPr>
         <p:sp>
@@ -13813,7 +13813,7 @@
           </p:nvSpPr>
           <p:spPr>
             <a:xfrm>
-              <a:off x="13612818" y="32169274"/>
+              <a:off x="13928562" y="32129489"/>
               <a:ext cx="2649967" cy="889947"/>
             </a:xfrm>
             <a:prstGeom prst="rect">
@@ -13905,10 +13905,10 @@
         </p:nvGrpSpPr>
         <p:grpSpPr>
           <a:xfrm>
-            <a:off x="3449142" y="12321959"/>
-            <a:ext cx="2076713" cy="4253079"/>
-            <a:chOff x="6866417" y="32191661"/>
-            <a:chExt cx="4707995" cy="9641910"/>
+            <a:off x="3538544" y="12309537"/>
+            <a:ext cx="1987311" cy="4265502"/>
+            <a:chOff x="7069095" y="32163498"/>
+            <a:chExt cx="4505317" cy="9670073"/>
           </a:xfrm>
         </p:grpSpPr>
         <p:pic>
@@ -14109,7 +14109,7 @@
           </p:nvSpPr>
           <p:spPr>
             <a:xfrm>
-              <a:off x="6866417" y="32191661"/>
+              <a:off x="7069095" y="32163498"/>
               <a:ext cx="3936430" cy="907066"/>
             </a:xfrm>
             <a:prstGeom prst="rect">
